--- a/generated/generated_presentation.pptx
+++ b/generated/generated_presentation.pptx
@@ -56,6 +56,7 @@
     <p:sldId id="304" r:id="rId55"/>
     <p:sldId id="305" r:id="rId56"/>
     <p:sldId id="306" r:id="rId57"/>
+    <p:sldId id="307" r:id="rId58"/>
   </p:sldIdLst>
   <p:sldSz cx="9144000" cy="6858000" type="screen4x3"/>
   <p:notesSz cx="6858000" cy="9144000"/>
@@ -3155,7 +3156,7 @@
           <a:p/>
           <a:p>
             <a:r>
-              <a:t>COURSE ORIENTATION</a:t>
+              <a:t>History of Globalization</a:t>
             </a:r>
           </a:p>
           <a:p/>
@@ -3212,7 +3213,7 @@
           <a:lstStyle/>
           <a:p>
             <a:r>
-              <a:t>Targets/ Objectives (Part 4)</a:t>
+              <a:t>Targets/ Objectives (Part 3)</a:t>
             </a:r>
           </a:p>
         </p:txBody>
@@ -3233,7 +3234,7 @@
           <a:lstStyle/>
           <a:p>
             <a:r>
-              <a:t>work accepted? What is the policy for making up on a lesson or a quiz or an exam? How do I interact with the professor? Where are the assignment due dates located? Are tests available online? What are the learning materials, such as readings, videos and lectures which will be</a:t>
+              <a:t>determining true globalization? (</a:t>
             </a:r>
           </a:p>
         </p:txBody>
@@ -3272,7 +3273,7 @@
           <a:lstStyle/>
           <a:p>
             <a:r>
-              <a:t>Targets/ Objectives (Part 5)</a:t>
+              <a:t>Lecture Guide</a:t>
             </a:r>
           </a:p>
         </p:txBody>
@@ -3293,7 +3294,7 @@
           <a:lstStyle/>
           <a:p>
             <a:r>
-              <a:t>used? How is the material available online? Do I need a textbook for this course? Is there extra credit for posting on online class discussion forum? What happens if a student plagiarizes his/her work? How do I interact with other online classmates? Are there group projects in this online class?</a:t>
+              <a:t>THE HISTORY OF GLOBALIZATION TIMELINE Globalization is not a new phenomenon because there have been many instances in the periods in history when there were contacts between diverse individuals and countries. However, the pace of globalization has accelerated significantly over the last three decades due to the reduced barriers to</a:t>
             </a:r>
           </a:p>
         </p:txBody>
@@ -3332,7 +3333,7 @@
           <a:lstStyle/>
           <a:p>
             <a:r>
-              <a:t>Targets/ Objectives (Part 6)</a:t>
+              <a:t>Lecture Guide (Part 2)</a:t>
             </a:r>
           </a:p>
         </p:txBody>
@@ -3353,7 +3354,7 @@
           <a:lstStyle/>
           <a:p>
             <a:r>
-              <a:t>Is this course self-paced or scheduled? Are there specific login or online participation for the course? (</a:t>
+              <a:t>trade and technological advances in communication and transportation systems across international boundaries have changed politics, culture, and economics across the globe. Below is the timeline of the historical development of globalization: Pax Romana (17 B.C. – 180 A.D.) The Pax Romana (Latin for "Roman Peace") was a period of relative</a:t>
             </a:r>
           </a:p>
         </p:txBody>
@@ -3392,7 +3393,7 @@
           <a:lstStyle/>
           <a:p>
             <a:r>
-              <a:t>Lecture Guide</a:t>
+              <a:t>Lecture Guide (Part 3)</a:t>
             </a:r>
           </a:p>
         </p:txBody>
@@ -3413,7 +3414,7 @@
           <a:lstStyle/>
           <a:p>
             <a:r>
-              <a:t>Welcome Message to Students Welcome to the Laguna State Polytechnic University where you opt to study your college degree. You are now part of the University family and a community of committed learners who aspire to achieve their full potential as persons towards becoming a well-functioning and responsible citizens of</a:t>
+              <a:t>peace and stability throughout the Roman Empire that lasted more than 200 years, beginning with the reign of Augustus (27 BCE-14 CE) and ending in 180 AD with the death of Marcus Aurelius. (Ancient History Encyclopedia “Pax Romana”, 2015) The Founding of Christianity (1st Century CE) Christianity began in the</a:t>
             </a:r>
           </a:p>
         </p:txBody>
@@ -3452,7 +3453,7 @@
           <a:lstStyle/>
           <a:p>
             <a:r>
-              <a:t>Lecture Guide (Part 2)</a:t>
+              <a:t>Lecture Guide (Part 4)</a:t>
             </a:r>
           </a:p>
         </p:txBody>
@@ -3473,7 +3474,7 @@
           <a:lstStyle/>
           <a:p>
             <a:r>
-              <a:t>our nation and the globalized world. Bear in mind that your time at the University may be viewed as a partnership. For you to get the most out of your time in the University, be fully engaged in your studies so you can be successful after you graduate, either in</a:t>
+              <a:t>first century CE. Jerusalem as a Jewish sect, but rapidly spread throughout the Roman Empire and beyond. (New World Encyclopedia, “History of Christianity”, 2019) The Silk Road (130 BCE-1453 CE) The Silk Road was an ancient network of trade routes, formally established during the Han Dynasty of China, which linked</a:t>
             </a:r>
           </a:p>
         </p:txBody>
@@ -3512,7 +3513,7 @@
           <a:lstStyle/>
           <a:p>
             <a:r>
-              <a:t>Lecture Guide (Part 3)</a:t>
+              <a:t>Lecture Guide (Part 5)</a:t>
             </a:r>
           </a:p>
         </p:txBody>
@@ -3533,7 +3534,7 @@
           <a:lstStyle/>
           <a:p>
             <a:r>
-              <a:t>your professional career or if you choose to undertake further study. May you view your period of study at the University where you are enrolled in as a unique opportunity for you to make a difference! . As you make your way through your school life and create your career</a:t>
+              <a:t>the regions of the ancient world in commerce between 130 BCE-1453 CE. (Ancient History Encyclopedia “Silk Road”, 2018) The Islamic Golden Age (8th-13th Century) The Islamic Golden Age refers to a period in the history of Islam, traditionally dated from the 8th century to the 13th century, during which much</a:t>
             </a:r>
           </a:p>
         </p:txBody>
@@ -3572,7 +3573,7 @@
           <a:lstStyle/>
           <a:p>
             <a:r>
-              <a:t>Lecture Guide (Part 4)</a:t>
+              <a:t>Lecture Guide (Part 6)</a:t>
             </a:r>
           </a:p>
         </p:txBody>
@@ -3593,7 +3594,7 @@
           <a:lstStyle/>
           <a:p>
             <a:r>
-              <a:t>path, know that you are in an educational community that will cultivate your distinctive talents and will also challenge you to be the best version of yourself. Use the education you will obtain from the University wisely for the well-being of your family, our people, our country and our fellow</a:t>
+              <a:t>of the historically Islamic world was ruled by various caliphates and science, economic development, and cultural works flourished. (Lumen Learning, “The Islamic Golden Age”, n.d.) The Gutenberg Press (c. 1440) Johannes Gutenberg, a German goldsmith, inventor, printer, and publisher, invented the printing press in circa 1440 which started the Printing</a:t>
             </a:r>
           </a:p>
         </p:txBody>
@@ -3632,7 +3633,7 @@
           <a:lstStyle/>
           <a:p>
             <a:r>
-              <a:t>Lecture Guide (Part 5)</a:t>
+              <a:t>Lecture Guide (Part 7)</a:t>
             </a:r>
           </a:p>
         </p:txBody>
@@ -3653,7 +3654,7 @@
           <a:lstStyle/>
           <a:p>
             <a:r>
-              <a:t>human beings. We hope that your stay with the University will be a rewarding and fulfilling experience. May the University you are enrolled in be your guide to success from this time forward! Pro aris et focis. LSPU’s Migration to the New Normal In reference to the LSPU’s Migration Plan</a:t>
+              <a:t>Revolution. The Renaissance (14th - 17th century) The Renaissance, considered the bridge between the Middle Ages and Modern History, was an era from the 14th to the 17th century. Columbus Expedition to America (1492 – 1502) Christopher Columbus, an Italian explorer and navigator, came across the Americas, paving the way</a:t>
             </a:r>
           </a:p>
         </p:txBody>
@@ -3692,7 +3693,7 @@
           <a:lstStyle/>
           <a:p>
             <a:r>
-              <a:t>Lecture Guide (Part 6)</a:t>
+              <a:t>Lecture Guide (Part 8)</a:t>
             </a:r>
           </a:p>
         </p:txBody>
@@ -3713,7 +3714,7 @@
           <a:lstStyle/>
           <a:p>
             <a:r>
-              <a:t>to the New Normal, the following are the acceptable learning modalities / instructional methods which can be adapted for this course: Flexible Learning A learning methodology where students are allowed the freedom to learn how, what, where, and where. Flexible learning environments address how physical space is used, how students</a:t>
+              <a:t>for European exploration and colonization of the Americas. The Protestant Reformation (1517-1648) The Protestant Reformation was a religious, political, intellectual and cultural upheaval of the 16th century that divided Catholic Europe. Birth of the Westphalian State System (1648) The Westphalian state system is the system of international relations, established in</a:t>
             </a:r>
           </a:p>
         </p:txBody>
@@ -3752,7 +3753,7 @@
           <a:lstStyle/>
           <a:p>
             <a:r>
-              <a:t>Lecture Guide (Part 7)</a:t>
+              <a:t>Lecture Guide (Part 9)</a:t>
             </a:r>
           </a:p>
         </p:txBody>
@@ -3773,7 +3774,7 @@
           <a:lstStyle/>
           <a:p>
             <a:r>
-              <a:t>are grouped during learning, and how time should be spent throughout learning. (tophat.com “Flexible Learning,” n.d.) Outcomes-based Education An OBE curriculum means starting with a clear picture of what is important for students to be able to do, then organizing the curriculum, instruction and assessment to make sure this learning</a:t>
+              <a:t>Europe in connection with the Peace of Westphalia, signed in 1648 after the Thirty Years' War. (Valdai, 2016) The Transatlantic Slave Trade (16th - 19th centuries) The transatlantic slave trade involved the transportation by slave traders of enslaved Africans, mainly to colonies in North America, South America, and the West</a:t>
             </a:r>
           </a:p>
         </p:txBody>
@@ -3872,7 +3873,7 @@
           <a:lstStyle/>
           <a:p>
             <a:r>
-              <a:t>Lecture Guide (Part 8)</a:t>
+              <a:t>Lecture Guide (Part 10)</a:t>
             </a:r>
           </a:p>
         </p:txBody>
@@ -3893,7 +3894,7 @@
           <a:lstStyle/>
           <a:p>
             <a:r>
-              <a:t>ultimately happens. (Spady, 1994) Contextual Learning A type of learning which should be practical and based on real-world context. According to contextual learning theory, learning occurs only when learners process new information or knowledge in such a way that it makes sense to them in their own frames of reference</a:t>
+              <a:t>Indies. The Creation of the Dutch United East India Company (1692) The Dutch East India Company was a megacorporation founded in the early 17th century by a government-led amalgamation of several competing Dutch trading firms. U.S. and French Revolutions (1776/1799) The American Revolution was a revolutionary war beginning in 1776</a:t>
             </a:r>
           </a:p>
         </p:txBody>
@@ -3932,7 +3933,7 @@
           <a:lstStyle/>
           <a:p>
             <a:r>
-              <a:t>Lecture Guide (Part 9)</a:t>
+              <a:t>Lecture Guide (Part 11)</a:t>
             </a:r>
           </a:p>
         </p:txBody>
@@ -3953,7 +3954,7 @@
           <a:lstStyle/>
           <a:p>
             <a:r>
-              <a:t>(Texas Collaborative for Teaching Excellence, 2007). Authentic Assessment A form of assessment in which students are asked to perform real-world tasks that demonstrate meaningful application of essential knowledge and skills. It usually includes a task for students to perform and a rubric by which their performance on the task will</a:t>
+              <a:t>and ending in 1783, during which colonists in the Thirteen American Colonies resisted British rule and hegemony, gaining independence from Great Britain and forming the United States of America. Meanwhile, the French Revolution was a period of political unrest in France and its colonies that took place between 1789 and</a:t>
             </a:r>
           </a:p>
         </p:txBody>
@@ -3992,7 +3993,7 @@
           <a:lstStyle/>
           <a:p>
             <a:r>
-              <a:t>Lecture Guide (Part 10)</a:t>
+              <a:t>Lecture Guide (Part 12)</a:t>
             </a:r>
           </a:p>
         </p:txBody>
@@ -4013,7 +4014,7 @@
           <a:lstStyle/>
           <a:p>
             <a:r>
-              <a:t>be evaluated. (Mueller, 2011) Blended Learning An approach in education in which students learn via electronic and online media as well as traditional media (such as textbooks and modules) and non-traditional learning spaces including classroom, communities, and industries. Independent Study A class taken by a student which can be self-designed</a:t>
+              <a:t>1799 which overthrew the monarchy and formed the French Republic. Slavery Abolition Act (1833) The Slavery Abolition Act of 1833 had abolished slavery in parts of the British Empire. The Founding of the Red Cross (1863) The Red Cross, an international humanitarian network, was founded in Switzerland in 1863. First</a:t>
             </a:r>
           </a:p>
         </p:txBody>
@@ -4052,7 +4053,7 @@
           <a:lstStyle/>
           <a:p>
             <a:r>
-              <a:t>Lecture Guide (Part 11)</a:t>
+              <a:t>Lecture Guide (Part 13)</a:t>
             </a:r>
           </a:p>
         </p:txBody>
@@ -4073,7 +4074,7 @@
           <a:lstStyle/>
           <a:p>
             <a:r>
-              <a:t>or pre-designed by the teacher who will oversee the course and make sure the student is putting in enough work to justify getting credit for their independent study. Classroom Rules For Online Learning Go to the restroom before class time. Find a quiet place in your house free of distractions.</a:t>
+              <a:t>Modern Olympic Games (1896) The Summer Olympic Games in Athens in 1896 (April 6-15) marked the birth of the Modern Olympics. World War I (1914-1918) World War I was a global war that lasted from July 28, 1914 to November 11, 1918. The Founding of the League of Nations (1919</a:t>
             </a:r>
           </a:p>
         </p:txBody>
@@ -4112,7 +4113,7 @@
           <a:lstStyle/>
           <a:p>
             <a:r>
-              <a:t>Lecture Guide (Part 12)</a:t>
+              <a:t>Lecture Guide (Part 14)</a:t>
             </a:r>
           </a:p>
         </p:txBody>
@@ -4133,7 +4134,7 @@
           <a:lstStyle/>
           <a:p>
             <a:r>
-              <a:t>Show up a few minutes before class time and wait to be admitted to the class. Be respectful at all times when your video is on. Stay on mute. Always ask permission from the speaker if you have a question or something to share. Stay focused and on task so</a:t>
+              <a:t>-1946) The League of Nations, an international organization based in Geneva, Switzerland, was created after the First World War in 1919. The Development of the TV (1927) Herbert E. Ives and Frank Gray developed the television on April 7, 1927. The Great Depression (1929) The Great Depression was a severe</a:t>
             </a:r>
           </a:p>
         </p:txBody>
@@ -4172,7 +4173,7 @@
           <a:lstStyle/>
           <a:p>
             <a:r>
-              <a:t>Lecture Guide (Part 13)</a:t>
+              <a:t>Lecture Guide (Part 15)</a:t>
             </a:r>
           </a:p>
         </p:txBody>
@@ -4193,7 +4194,7 @@
           <a:lstStyle/>
           <a:p>
             <a:r>
-              <a:t>you don’t miss anything the speaker says. Classroom Rules For Discussion Board Posting Stay on the subject/topic before posting to the discussion board and do not post irrelevant comments, links, or pictures. Please respect the opinions of your classmates. If you feel that there is a need to disagree, do</a:t>
+              <a:t>global economic depression that began in 1929 and lasted until the late 1930s. The Invention of the Computer (1941) Konrad Zuse completed the Z3 in Berlin, the first fully functional (programmable and automatic) digital computer on May 12, 1941. World War 2 (1939-1945) The Second World War was a global</a:t>
             </a:r>
           </a:p>
         </p:txBody>
@@ -4232,7 +4233,7 @@
           <a:lstStyle/>
           <a:p>
             <a:r>
-              <a:t>Lecture Guide (Part 14)</a:t>
+              <a:t>Lecture Guide (Part 16)</a:t>
             </a:r>
           </a:p>
         </p:txBody>
@@ -4253,7 +4254,7 @@
           <a:lstStyle/>
           <a:p>
             <a:r>
-              <a:t>so respectfully. Be brief and coherent in your response. If you're asking a question and many people are responding to it, summarize all the answers and post them for the benefit of the class. If you're referring to something that your classmate posted, quote a few lines from their post</a:t>
+              <a:t>war that lasted from 1939 to 1945. The Establishment of the International Monetary Fund (IMF) (1944) The International Monetary Fund (IMF) was established at the Bretton Woods Conference in 1944. The Foundation of the United Nations (UN) (1945) The United Nations is an international organization established in 1945 after the</a:t>
             </a:r>
           </a:p>
         </p:txBody>
@@ -4292,7 +4293,7 @@
           <a:lstStyle/>
           <a:p>
             <a:r>
-              <a:t>Lecture Guide (Part 15)</a:t>
+              <a:t>Lecture Guide (Part 17)</a:t>
             </a:r>
           </a:p>
         </p:txBody>
@@ -4313,7 +4314,7 @@
           <a:lstStyle/>
           <a:p>
             <a:r>
-              <a:t>so that others know which post you're referring to. Run a spelling / grammar check before you post. Use complete sentences in all your posts. Reach out to your teacher if you have any questions. Your teacher is still here to help, albeit virtually! Classroom Rules For Video Viewing Do</a:t>
+              <a:t>Second World War. Start of the Cold War (1945) The Cold War began after Nazi Germany surrendered in 1945. The Establishment of NATO (1949) The North Atlantic Treaty Organization was established in 1949 by the United States, Canada, and a number of Western European countries to provide collective security against</a:t>
             </a:r>
           </a:p>
         </p:txBody>
@@ -4352,7 +4353,7 @@
           <a:lstStyle/>
           <a:p>
             <a:r>
-              <a:t>Lecture Guide (Part 16)</a:t>
+              <a:t>Lecture Guide (Part 18)</a:t>
             </a:r>
           </a:p>
         </p:txBody>
@@ -4373,7 +4374,7 @@
           <a:lstStyle/>
           <a:p>
             <a:r>
-              <a:t>watch each of the video. If you have a laptop, download the videos for later viewing and review. Answer cogently any assignments you have about the lesson covered in the course. Do keep up with your work for the course every week. Even if you do not have a class</a:t>
+              <a:t>the Soviet Union. The Establishment of the First McDonald’s (1955) The first McDonald's restaurant opened on April 15, 1955. 1969 Moon Landing On July 20, 1969, American astronauts Neil Armstrong and Edwin "Buzz" Aldrin became the first man ever to land on the moon. The term “global village” was coined</a:t>
             </a:r>
           </a:p>
         </p:txBody>
@@ -4412,7 +4413,7 @@
           <a:lstStyle/>
           <a:p>
             <a:r>
-              <a:t>Lecture Guide (Part 17)</a:t>
+              <a:t>Lecture Guide (Part 19)</a:t>
             </a:r>
           </a:p>
         </p:txBody>
@@ -4433,7 +4434,7 @@
           <a:lstStyle/>
           <a:p>
             <a:r>
-              <a:t>session, you should read the modules/assigned readings, as well as watch the videos. Do get in touch with your instructor who is handling this course. Your instructor can answer any questions you have about the lesson about the course. Your instructor can also help you if you are behind, advise</a:t>
+              <a:t>(1967) Marshall McLuhan coined the term “global village” in 1967. The Birth of NASDAQ (1971) NASDAQ was created in 1971, a US-based stock exchange. China's Policy of Opening Up to the Outside World (1978) China opened its doors to the outside world in 1978. The Stock Market Crash of 1987</a:t>
             </a:r>
           </a:p>
         </p:txBody>
@@ -4493,7 +4494,7 @@
           <a:lstStyle/>
           <a:p>
             <a:r>
-              <a:t>1</a:t>
+              <a:t>3</a:t>
             </a:r>
           </a:p>
         </p:txBody>
@@ -4532,7 +4533,7 @@
           <a:lstStyle/>
           <a:p>
             <a:r>
-              <a:t>Lecture Guide (Part 18)</a:t>
+              <a:t>Lecture Guide (Part 20)</a:t>
             </a:r>
           </a:p>
         </p:txBody>
@@ -4553,7 +4554,7 @@
           <a:lstStyle/>
           <a:p>
             <a:r>
-              <a:t>you about the assignments or tell you where you might be able to watch videos you have missed. Do complete the activities, projects, and worksheets provided in the modules. These will augment your knowledge about the course and prepare you for formal examinations. If you miss a video or fall</a:t>
+              <a:t>The US stock market crashed in 1987 which impacted every other major stock market in the world. The Fall of the Berlin wall (1989) The Berlin Wall was torn down on November 9, 1989 which marked the beginning of the fall of communism in Eastern and Central Europe. The Creation</a:t>
             </a:r>
           </a:p>
         </p:txBody>
@@ -4592,7 +4593,7 @@
           <a:lstStyle/>
           <a:p>
             <a:r>
-              <a:t>Lecture Guide (Part 19)</a:t>
+              <a:t>Lecture Guide (Part 21)</a:t>
             </a:r>
           </a:p>
         </p:txBody>
@@ -4613,7 +4614,7 @@
           <a:lstStyle/>
           <a:p>
             <a:r>
-              <a:t>behind in your study schedule, don’t give up. You can always catch up and watch the videos online and answer the assignments. Engaging Activities Activity: The Student Fact Sheet Directions: Please complete this form by filling in the accurate and truthful information about yourself. The personal information that you‘ll provide</a:t>
+              <a:t>of European Union (EU) (1992) On 1 November 1993, the Treaty of Maastricht became effective under the Third Delors Commission, creating the European Union. World Conference on Human Rights (1993): The World Conference on Human Rights was held in Vienna, Austria, from June, 14 to 25 1993. The creation of</a:t>
             </a:r>
           </a:p>
         </p:txBody>
@@ -4652,7 +4653,7 @@
           <a:lstStyle/>
           <a:p>
             <a:r>
-              <a:t>Lecture Guide (Part 20)</a:t>
+              <a:t>Lecture Guide (Part 22)</a:t>
             </a:r>
           </a:p>
         </p:txBody>
@@ -4673,7 +4674,7 @@
           <a:lstStyle/>
           <a:p>
             <a:r>
-              <a:t>in this chart will be treated with utmost sensitivity and confidentiality. Name: (*paste your 2x2 picture here*) Student No. College:</a:t>
+              <a:t>World Trade Organization (WTO) The World Trade Organization (WTO), an intergovernmental organization, was created on January 1, 1995. 1999 Seattle WTO protests The WTO protests in 1999 closed down Seattle and brought new attention to the issues of global trade. U.S. ‘’War on Terror’’ (2001) The US-led global counter-terrorism campaign</a:t>
             </a:r>
           </a:p>
         </p:txBody>
@@ -4712,7 +4713,7 @@
           <a:lstStyle/>
           <a:p>
             <a:r>
-              <a:t>Course Level:</a:t>
+              <a:t>Lecture Guide (Part 23)</a:t>
             </a:r>
           </a:p>
         </p:txBody>
@@ -4733,7 +4734,7 @@
           <a:lstStyle/>
           <a:p>
             <a:r>
-              <a:t>E-mail Address: Mobile No.: Present Address: Permanent Address: In case of serious illness or accident, please notify: Name: Relationship: Contact Nos. Address: I hereby provide the aforesaid personal information granted that it will be used for legal purposes only and will be treated with utmost sensitivity and confidentiality as specified</a:t>
+              <a:t>launched in response to the attacks of September 11, 2001. Internet enabled phones (2001) Smartphones were able to use and connect to the Internet. 2008 Market Crash The US stock market crash on September 29, 2008. COVID-19 Pandemic (2020) The COVID19 pandemic is an ongoing global pandemic which started in</a:t>
             </a:r>
           </a:p>
         </p:txBody>
@@ -4772,7 +4773,7 @@
           <a:lstStyle/>
           <a:p>
             <a:r>
-              <a:t>Course Level: (Part 2)</a:t>
+              <a:t>Lecture Guide (Part 24)</a:t>
             </a:r>
           </a:p>
         </p:txBody>
@@ -4793,7 +4794,7 @@
           <a:lstStyle/>
           <a:p>
             <a:r>
-              <a:t>by Republic Act 10173 (Data Privacy Act of 2012). __________________________________________________ Signature over Printed Name Research: The University Profile Directions: Please complete this form by filling in your University’s Vision, Mission, Quality Policy, Values, Motto and Hymn. Use your library or the Internet to accomplish the chart below. University Name University</a:t>
+              <a:t>Wuhan, China. Engaging Activities Essay: A Brief History of Globalization Video Evaluation Chart Watch “A Brief History of Globalization” during your free time. Use this link https://www.youtube.com/watch?v=D63_Ps4UN-I and then read the instructions below carefully and answer the following questions cogently. I. Reaction (Check the blank below) ____Very Favorable ____ Favorable</a:t>
             </a:r>
           </a:p>
         </p:txBody>
@@ -4832,7 +4833,7 @@
           <a:lstStyle/>
           <a:p>
             <a:r>
-              <a:t>Course Level: (Part 3)</a:t>
+              <a:t>Lecture Guide (Part 25)</a:t>
             </a:r>
           </a:p>
         </p:txBody>
@@ -4853,7 +4854,7 @@
           <a:lstStyle/>
           <a:p>
             <a:r>
-              <a:t>Vision University Mission University Quality Policy University Values University Motto University Hymn</a:t>
+              <a:t>____Unfavorable ____Uncertain II. Your response to the video in six words: ______________________________________________________________________________________________ III. In just six words, explain the purpose/theme/aim of the video as you see it. ______________________________________________________________________________________________ IV. Make a summary of the video in ten words. ______________________________________________________________________________________________ ______________________________________________________________________________________________ ______________________________________________________________________________________________ V. In ten words, what are the values you</a:t>
             </a:r>
           </a:p>
         </p:txBody>
@@ -4892,7 +4893,7 @@
           <a:lstStyle/>
           <a:p>
             <a:r>
-              <a:t>Performance Task</a:t>
+              <a:t>Lecture Guide (Part 26)</a:t>
             </a:r>
           </a:p>
         </p:txBody>
@@ -4913,7 +4914,7 @@
           <a:lstStyle/>
           <a:p>
             <a:r>
-              <a:t>Activity: Questions about the Syllabus Introduction: This collaborative activity will enable students to know the course syllabus and have an idea about the things that they will study in the course. Materials Needed: Paper, pen and a copy of the syllabus Methods 1. Have students get into groups of three</a:t>
+              <a:t>learned from this video? ______________________________________________________________________________________________ ______________________________________________________________________________________________ ______________________________________________________________________________________________ Essay: “Why Early Globalization Matters?” Video Evaluation Chart Watch “Why Early Globalization Matters” from Crash Course Big History during your free time. Use this link https://www.youtube.com/watch?v=1esRyRV8H2M&amp;t=77s and then read the instructions below carefully and answer the following questions cogently. I. Reaction (Check the</a:t>
             </a:r>
           </a:p>
         </p:txBody>
@@ -4952,7 +4953,7 @@
           <a:lstStyle/>
           <a:p>
             <a:r>
-              <a:t>Performance Task (Part 2)</a:t>
+              <a:t>Lecture Guide (Part 27)</a:t>
             </a:r>
           </a:p>
         </p:txBody>
@@ -4973,7 +4974,7 @@
           <a:lstStyle/>
           <a:p>
             <a:r>
-              <a:t>to five and let them work cooperatively. 2. After forming groups, have each group generate a list of five to eight questions they have about the course. 3. Give each group a copy of the course syllabus and the groups go over it together to answer their questions about the</a:t>
+              <a:t>blank below) ____Very Favorable ____ Favorable ____Unfavorable ____Uncertain II. Your response to the video in six words: ______________________________________________________________________________________________ III. In just six words, explain the purpose/theme/aim of the video as you see it. ______________________________________________________________________________________________ IV. Make a summary of the video in ten words. ______________________________________________________________________________________________ ______________________________________________________________________________________________ ______________________________________________________________________________________________ V. In ten</a:t>
             </a:r>
           </a:p>
         </p:txBody>
@@ -5012,7 +5013,7 @@
           <a:lstStyle/>
           <a:p>
             <a:r>
-              <a:t>Performance Task (Part 3)</a:t>
+              <a:t>Lecture Guide (Part 28)</a:t>
             </a:r>
           </a:p>
         </p:txBody>
@@ -5033,7 +5034,7 @@
           <a:lstStyle/>
           <a:p>
             <a:r>
-              <a:t>course. 4. Upon completion of the small group activity, the class then reconvenes and the groups ask any questions that were not addressed in the syllabus. 5. Discuss the course syllabus with students. Activity: The Classroom Covenant The classroom covenant is a class-agreed undertaking on how members of the class</a:t>
+              <a:t>words, what are the values you learned from this video? ______________________________________________________________________________________________ ______________________________________________________________________________________________ ______________________________________________________________________________________________ Essay: “The Silk Road and Ancient Trade” Video Evaluation Chart Watch the video “The Silk Road and Ancient Trade” from Crash Course History during your free time. Use this link https://www.youtube.com/watch?v=vfe-eNq-Qyg and then read the instructions below</a:t>
             </a:r>
           </a:p>
         </p:txBody>
@@ -5072,7 +5073,7 @@
           <a:lstStyle/>
           <a:p>
             <a:r>
-              <a:t>Performance Task (Part 4)</a:t>
+              <a:t>Lecture Guide (Part 29)</a:t>
             </a:r>
           </a:p>
         </p:txBody>
@@ -5093,7 +5094,7 @@
           <a:lstStyle/>
           <a:p>
             <a:r>
-              <a:t>will learn and behave, get along with their classmates and treat them with civility and respect, and take responsibility for their own learning and behavior. It will serve as a guide on how the entire class studies the course throughout the semester. Image: United Church of God, “The Ten Commandments”</a:t>
+              <a:t>carefully and answer the following questions cogently. I. Reaction (Check the blank below) ____Very Favorable ____ Favorable ____Unfavorable ____Uncertain II. Your response to the video in six words: ______________________________________________________________________________________________ III. In just six words, explain the purpose/theme/aim of the video as you see it. ______________________________________________________________________________________________ IV. Make a summary of</a:t>
             </a:r>
           </a:p>
         </p:txBody>
@@ -5153,7 +5154,7 @@
           <a:lstStyle/>
           <a:p>
             <a:r>
-              <a:t>Hello, and welcome to GEC 103 – The Contemporary World! Before you jump into your first real lesson on your journey to passing the course, I wanted to guide you about the University where you currently study and familiarize yourself with its nature, culture, and values. Further, this introductory lesson</a:t>
+              <a:t>In this telecourse lesson, we’ll present various videos that examine the historical aspects of globalization by looking at its origins and distinguish the apparent similarities and fundamental differences of the four waves of globalization. It is the intention of this lesson to provide a compilation of video materials that present</a:t>
             </a:r>
           </a:p>
         </p:txBody>
@@ -5192,7 +5193,7 @@
           <a:lstStyle/>
           <a:p>
             <a:r>
-              <a:t>Performance Task (Part 5)</a:t>
+              <a:t>Lecture Guide (Part 30)</a:t>
             </a:r>
           </a:p>
         </p:txBody>
@@ -5213,7 +5214,7 @@
           <a:lstStyle/>
           <a:p>
             <a:r>
-              <a:t>Materials Needed: Paper and pen, poster materials, Smartphone Method: 1. Start the activity by defining what “covenant” is. 2. Create ten (10) promises which you will uphold as a student while studying the course throughout the semester. 3. Write your ten (10) covenants/promises in exactly 6 words each in a</a:t>
+              <a:t>the video in ten words. ______________________________________________________________________________________________ ______________________________________________________________________________________________ ______________________________________________________________________________________________ V. In ten words, what are the values you learned from this video? ______________________________________________________________________________________________ ______________________________________________________________________________________________ ______________________________________________________________________________________________ Essay: “Four Phases of Globalisation” Video Evaluation Chart Watch “Four Phases of Globalisation” delivered by Richard Baldwin during your free time. Use this link https://www.futurelearn.com/courses/globalisation/0/steps/25790 and</a:t>
             </a:r>
           </a:p>
         </p:txBody>
@@ -5252,7 +5253,7 @@
           <a:lstStyle/>
           <a:p>
             <a:r>
-              <a:t>Performance Task (Part 6)</a:t>
+              <a:t>Lecture Guide (Part 31)</a:t>
             </a:r>
           </a:p>
         </p:txBody>
@@ -5273,7 +5274,7 @@
           <a:lstStyle/>
           <a:p>
             <a:r>
-              <a:t>sheet of paper. 4. Present your classroom covenants to the class. 5. After all the students have shared their outputs, the whole class will review, refine and vote which among their classmates’ covenants will be adopted by the entire class as part of “The 10 Classroom Covenants” of their section.</a:t>
+              <a:t>then read the instructions below carefully and answer the following questions cogently. I. Reaction (Check the blank below) ____Very Favorable ____ Favorable ____Unfavorable ____Uncertain II. Your response to the video in six words: ______________________________________________________________________________________________ III. In just six words, explain the purpose/theme/aim of the video as you see it. ______________________________________________________________________________________________</a:t>
             </a:r>
           </a:p>
         </p:txBody>
@@ -5312,7 +5313,7 @@
           <a:lstStyle/>
           <a:p>
             <a:r>
-              <a:t>Performance Task (Part 7)</a:t>
+              <a:t>Lecture Guide (Part 32)</a:t>
             </a:r>
           </a:p>
         </p:txBody>
@@ -5333,7 +5334,7 @@
           <a:lstStyle/>
           <a:p>
             <a:r>
-              <a:t>6. The whole class will then finalize the classroom covenants and give each student a copy of it. 7. Create a poster of “The Ten Classroom Covenants” to post in your room that the student needs to sign to show his/her commitment to the course. 8. Snap a selfie picture</a:t>
+              <a:t>IV. Make a summary of the video in ten words. ______________________________________________________________________________________________ ______________________________________________________________________________________________ ______________________________________________________________________________________________ V. In ten words, what are the values you learned from this video? ______________________________________________________________________________________________ ______________________________________________________________________________________________ ______________________________________________________________________________________________</a:t>
             </a:r>
           </a:p>
         </p:txBody>
@@ -5372,7 +5373,7 @@
           <a:lstStyle/>
           <a:p>
             <a:r>
-              <a:t>Performance Task (Part 8)</a:t>
+              <a:t>Performance Task</a:t>
             </a:r>
           </a:p>
         </p:txBody>
@@ -5393,7 +5394,7 @@
           <a:lstStyle/>
           <a:p>
             <a:r>
-              <a:t>using the “The Ten Classroom Covenants” as a background and then post your selfie in the Class FB/Google Classroom group. 9. Write a short reflection essay on the activity in your notebook/journal. Understanding Directed Assess Rubrics These rubrics were used for the following activities: The University Profiles, Questions About the</a:t>
+              <a:t>Activity: Three Circle Venn Diagram Use the Venn diagram below to compare and contrast the three waves of globalization. Second Wave Second Wave Third Wave Third Wave First Wave First Wave Research: Globalization 4.0 Use the library and the Internet to gather information for a report about Globalization 4.0. To</a:t>
             </a:r>
           </a:p>
         </p:txBody>
@@ -5432,7 +5433,7 @@
           <a:lstStyle/>
           <a:p>
             <a:r>
-              <a:t>Performance Task (Part 9)</a:t>
+              <a:t>Performance Task (Part 2)</a:t>
             </a:r>
           </a:p>
         </p:txBody>
@@ -5453,7 +5454,7 @@
           <a:lstStyle/>
           <a:p>
             <a:r>
-              <a:t>Syllabus and The Classroom Covenant. Use these rubrics to assess the student’s works. A. Research: The University Profiles Rubric 3 – Full Accomplishment – The student identified their university’s profiles in a clear and consistent manner. 2 – Substantial Accomplishment – The student identified their university’s profiles and do so</a:t>
+              <a:t>gather ideas for research, use the following chart. Be sure to keep track of where you find your information. Use a separate sheet of paper if necessary. Subject Ideas Internet Search Library Search What is Globalization 4.0? Globalization 4.0 and its antecedents Operating System Upgrade The 8 General Design Parameters</a:t>
             </a:r>
           </a:p>
         </p:txBody>
@@ -5492,7 +5493,7 @@
           <a:lstStyle/>
           <a:p>
             <a:r>
-              <a:t>Performance Task (Part 10)</a:t>
+              <a:t>Performance Task (Part 3)</a:t>
             </a:r>
           </a:p>
         </p:txBody>
@@ -5513,7 +5514,7 @@
           <a:lstStyle/>
           <a:p>
             <a:r>
-              <a:t>in a somewhat consistent manner. 1 – Little Accomplishment – The student had difficulty identifying their university’s profiles consistently. 0 – No Accomplishment – The student made no attempt to do the activity. B. Questions about the Syllabus Rubric 3 – Full Accomplishment – The student asked and answered their</a:t>
+              <a:t>Specific Architectural Innovations and Improvements Trade and Investment Financial and monetary system Global public goods and the environment Technology Cybersecurity Industry and corporate governance Geopolitical and geo-economic cooperation SUGGESTED READING Read “A brief history of globalization” by Peter Vanham available at https://www.weforum.org/agenda/2019/01/how-globalization-4-0-fits-into-the-history-of-globalization/ Understanding Directed Assess Rubrics These rubrics were used</a:t>
             </a:r>
           </a:p>
         </p:txBody>
@@ -5552,7 +5553,7 @@
           <a:lstStyle/>
           <a:p>
             <a:r>
-              <a:t>Performance Task (Part 11)</a:t>
+              <a:t>Performance Task (Part 4)</a:t>
             </a:r>
           </a:p>
         </p:txBody>
@@ -5573,7 +5574,7 @@
           <a:lstStyle/>
           <a:p>
             <a:r>
-              <a:t>questions about the syllabus in a clear and consistent manner. 2 – Substantial Accomplishment – The student asked and answered their questions about the syllabus and do so in a somewhat consistent manner. 1 – Little Accomplishment – The student had difficulty asking and answering their questions about the syllabus</a:t>
+              <a:t>for the following activities: Video Evaluation Chart and 3-Circle Venn Diagram. Use these rubrics to assess the student’s works. A. Venn Diagram Rubric Objects being compared in the Venn diagram: _______________________________ , ________________________________ and __________________________________. Strong Grasp Progressing Not in Evidence Text support of comparison statements All statements are supported</a:t>
             </a:r>
           </a:p>
         </p:txBody>
@@ -5612,7 +5613,7 @@
           <a:lstStyle/>
           <a:p>
             <a:r>
-              <a:t>Performance Task (Part 12)</a:t>
+              <a:t>Performance Task (Part 5)</a:t>
             </a:r>
           </a:p>
         </p:txBody>
@@ -5633,7 +5634,7 @@
           <a:lstStyle/>
           <a:p>
             <a:r>
-              <a:t>consistently. 0 – No Accomplishment – The student made no attempt to do the activity. C. The Classroom Covenant Rubric 3 – Full Accomplishment – The student created a classroom covenant, made a poster and wrote a reflection essay about the activity in a clear and consistent manner. 2 –</a:t>
+              <a:t>by the text. Most statements are supported by the text. Few or none of the statements are supported by the text. Placement of statements within the Venn diagram All statements noting similarities are placed in the center circle and all statements that note differences are placed in the correct outer</a:t>
             </a:r>
           </a:p>
         </p:txBody>
@@ -5672,7 +5673,7 @@
           <a:lstStyle/>
           <a:p>
             <a:r>
-              <a:t>Performance Task (Part 13)</a:t>
+              <a:t>Performance Task (Part 6)</a:t>
             </a:r>
           </a:p>
         </p:txBody>
@@ -5693,7 +5694,7 @@
           <a:lstStyle/>
           <a:p>
             <a:r>
-              <a:t>Substantial Accomplishment – The student created a classroom covenant, made a poster and wrote a reflection essay about the activity and do so in a somewhat consistent manner. 1 – Little Accomplishment – The student had difficulty in creating a classroom covenant, making a poster and writing a reflection essay</a:t>
+              <a:t>circle. Most statements are placed in the correct circle, but student mixed up a few statements. Few statements are placed in the correct circle. Number of quality statements Student is able to make five or more comparison statements in each circle. Student is able to make 3–4 comparison statements in</a:t>
             </a:r>
           </a:p>
         </p:txBody>
@@ -5732,7 +5733,7 @@
           <a:lstStyle/>
           <a:p>
             <a:r>
-              <a:t>Performance Task (Part 14)</a:t>
+              <a:t>Performance Task (Part 7)</a:t>
             </a:r>
           </a:p>
         </p:txBody>
@@ -5753,7 +5754,7 @@
           <a:lstStyle/>
           <a:p>
             <a:r>
-              <a:t>about the activity consistently. 0 – No Accomplishment – The student made no attempt to do the activity.</a:t>
+              <a:t>each circle. Student makes two or fewer comparison statements in each circle. B. RESEARCH: GLOBALIZATION 4.0 Rubric 3 – Full Accomplishment – The student researched the topics in a clear and consistent manner. 2 – Substantial Accomplishment – The student researched the topics and do so in a somewhat consistent</a:t>
             </a:r>
           </a:p>
         </p:txBody>
@@ -5813,7 +5814,7 @@
           <a:lstStyle/>
           <a:p>
             <a:r>
-              <a:t>will enlighten you about your University’s migration plan to the new normal, the course syllabus, and the classroom rules that will aid you to prepare while you study the course. May you have loads of fun and create beautiful moments in this course. Good luck! Learning Outcomes</a:t>
+              <a:t>a historical inquiry of the discussion of globalization. Learning Outcomes</a:t>
             </a:r>
           </a:p>
         </p:txBody>
@@ -5852,7 +5853,7 @@
           <a:lstStyle/>
           <a:p>
             <a:r>
-              <a:t>Learning Resources</a:t>
+              <a:t>Performance Task (Part 8)</a:t>
             </a:r>
           </a:p>
         </p:txBody>
@@ -5873,7 +5874,7 @@
           <a:lstStyle/>
           <a:p>
             <a:r>
-              <a:t>Flexible Learning (n.d.) Retrieved from https://tophat.com/glossary/f/flexible-learning/ Alegro, A., Cabigan, M.V., Fuentez, M., Marquez, C. &amp; Solmerano, E. (2020). The Contemporary World. Manila: Fastbooks Educational Supplies and Publishing, Inc. Mueller, J., (2011). Authentic Assessment Toolbox. Retrieved from https://www.qualityresearchinternational.com/glossary/authenticassessment.htm#:~:text=Mueller%20(2011)%20defines%20authentic%20assessment,of%20essential%20knowledge%20and%20skills. Spady, W. (1994). Outcomes-Based Education: Critical Issues and Answers. Arlington Virginia: American Association</a:t>
+              <a:t>manner. 1 – Little Accomplishment – The student had difficulty researching the topics consistently. 0 – No Accomplishment – The student made no attempt to do the activity.</a:t>
             </a:r>
           </a:p>
         </p:txBody>
@@ -5912,6 +5913,66 @@
           <a:lstStyle/>
           <a:p>
             <a:r>
+              <a:t>Learning Resources</a:t>
+            </a:r>
+          </a:p>
+        </p:txBody>
+      </p:sp>
+      <p:sp>
+        <p:nvSpPr>
+          <p:cNvPr id="3" name="Content Placeholder 2"/>
+          <p:cNvSpPr>
+            <a:spLocks noGrp="1"/>
+          </p:cNvSpPr>
+          <p:nvPr>
+            <p:ph idx="1"/>
+          </p:nvPr>
+        </p:nvSpPr>
+        <p:spPr/>
+        <p:txBody>
+          <a:bodyPr/>
+          <a:lstStyle/>
+          <a:p>
+            <a:r>
+              <a:t>Acero, A., Cabigan, M., Fuentez, M., Marquez, C. &amp; Solmerano, E. (2020). The Contemporary World. Manila: Fastbooks Educational Supplies and Publishing, Inc. Baldwin, R. (2018). “Four Phases of Globalisation”. Retrieved from https://www.futurelearn.com/courses/globalisation/0/steps/25790 Crash Course Big History. (2017). Why Early Globalization Matters: Crash Course Big History #206. Retrieved from https://www.youtube.com/watch?v=1esRyRV8H2M&amp;t=77s Crash</a:t>
+            </a:r>
+          </a:p>
+        </p:txBody>
+      </p:sp>
+    </p:spTree>
+  </p:cSld>
+  <p:clrMapOvr>
+    <a:masterClrMapping/>
+  </p:clrMapOvr>
+</p:sld>
+</file>
+
+<file path=ppt/slides/slide52.xml><?xml version="1.0" encoding="utf-8"?>
+<p:sld xmlns:a="http://schemas.openxmlformats.org/drawingml/2006/main" xmlns:p="http://schemas.openxmlformats.org/presentationml/2006/main" xmlns:r="http://schemas.openxmlformats.org/officeDocument/2006/relationships">
+  <p:cSld>
+    <p:spTree>
+      <p:nvGrpSpPr>
+        <p:cNvPr id="1" name=""/>
+        <p:cNvGrpSpPr/>
+        <p:nvPr/>
+      </p:nvGrpSpPr>
+      <p:grpSpPr/>
+      <p:sp>
+        <p:nvSpPr>
+          <p:cNvPr id="2" name="Title 1"/>
+          <p:cNvSpPr>
+            <a:spLocks noGrp="1"/>
+          </p:cNvSpPr>
+          <p:nvPr>
+            <p:ph type="title"/>
+          </p:nvPr>
+        </p:nvSpPr>
+        <p:spPr/>
+        <p:txBody>
+          <a:bodyPr/>
+          <a:lstStyle/>
+          <a:p>
+            <a:r>
               <a:t>Learning Resources (Part 2)</a:t>
             </a:r>
           </a:p>
@@ -5933,7 +5994,7 @@
           <a:lstStyle/>
           <a:p>
             <a:r>
-              <a:t>of School Administrators. Retrieved from https://files.eric.ed.gov/fulltext/ED380910.pdf Texas Collaborative for Teaching Excellence. (2007). What is Contextual Teaching and Learning? Retrieved from http://www.texascollaborative.org/</a:t>
+              <a:t>Course History. (2012). The Silk Road and Ancient Trade: Crash Course World History #9. Retrieved from https://www.youtube.com/watch?v=vfe-eNq-Qyg Sowton, C. (2011). A Brief History of Globalization. Retrieved from https://www.youtube.com/watch?v=D63_Ps4UN-I</a:t>
             </a:r>
           </a:p>
         </p:txBody>
@@ -5993,7 +6054,7 @@
           <a:lstStyle/>
           <a:p>
             <a:r>
-              <a:t>Students should be able to meet the following intended learning outcomes: Orient students about the University; Familiarize them with its vision, mission, Quality Policy, values, motto, and hymn; Discuss the University’s Migration Plan to the New Normal; and Acquaint them with the course syllabus and classroom rules.</a:t>
+              <a:t>Students should be able to meet the following intended learning outcomes: be aware of the historical development of globalization; be familiar with the history and importance of the Silk Road and their impact on civilizations; distinguish and recognize the similarities and differences of the four waves of globalization; and watch</a:t>
             </a:r>
           </a:p>
         </p:txBody>
@@ -6032,7 +6093,7 @@
           <a:lstStyle/>
           <a:p>
             <a:r>
-              <a:t>Targets/ Objectives</a:t>
+              <a:t>Intended Learning Outcomes (Part 2)</a:t>
             </a:r>
           </a:p>
         </p:txBody>
@@ -6053,7 +6114,7 @@
           <a:lstStyle/>
           <a:p>
             <a:r>
-              <a:t>At the end of the lesson, students should be able to: create a student information sheet and university profile; answer questions about the syllabus; and craft a classroom covenant. A. Face to Face Discussion This module is taken during the first meeting of the course. For further instructions, refer to</a:t>
+              <a:t>a variety of videos to examine the historical aspects of globalization.</a:t>
             </a:r>
           </a:p>
         </p:txBody>
@@ -6092,7 +6153,7 @@
           <a:lstStyle/>
           <a:p>
             <a:r>
-              <a:t>Targets/ Objectives (Part 2)</a:t>
+              <a:t>Targets/ Objectives</a:t>
             </a:r>
           </a:p>
         </p:txBody>
@@ -6113,7 +6174,7 @@
           <a:lstStyle/>
           <a:p>
             <a:r>
-              <a:t>your Google Classroom and see the schedule of modules/activities in your course guide for the whole semester. B. Learning Guide Questions Here are a list of questions to ask regarding this lesson: What is your university like? What are the Vision and Mission statements of the University? What do I</a:t>
+              <a:t>At the end of the lesson, students should be able to: compare and contrast the three waves of globalization; and research about Globalization 4.0. A. Discussion This module is taken during the third meeting of the course. For further instructions, refer to your Google Classroom and see the schedule of</a:t>
             </a:r>
           </a:p>
         </p:txBody>
@@ -6152,7 +6213,7 @@
           <a:lstStyle/>
           <a:p>
             <a:r>
-              <a:t>Targets/ Objectives (Part 3)</a:t>
+              <a:t>Targets/ Objectives (Part 2)</a:t>
             </a:r>
           </a:p>
         </p:txBody>
@@ -6173,7 +6234,7 @@
           <a:lstStyle/>
           <a:p>
             <a:r>
-              <a:t>need to know before taking the course? What does the course cover? What are your course expectations? What is the relevance of the course to your degree? How much time should I spend in this course? What are the course policies regarding attendance, submission of assignment, and participation? Is late</a:t>
+              <a:t>modules/activities in your course guide for the whole semester. B. Learning Guide Questions When did globalization all began? What was the Silk Road and what role did it play in spreading globalization? What are the similarities and differences of the four waves of globalization? What are the different marking points</a:t>
             </a:r>
           </a:p>
         </p:txBody>
